--- a/API/EnityFramework_Core.pptx
+++ b/API/EnityFramework_Core.pptx
@@ -6,21 +6,20 @@
     <p:sldMasterId id="2147483672" r:id="rId2"/>
   </p:sldMasterIdLst>
   <p:notesMasterIdLst>
-    <p:notesMasterId r:id="rId15"/>
+    <p:notesMasterId r:id="rId14"/>
   </p:notesMasterIdLst>
   <p:sldIdLst>
     <p:sldId id="326" r:id="rId3"/>
     <p:sldId id="327" r:id="rId4"/>
     <p:sldId id="328" r:id="rId5"/>
     <p:sldId id="329" r:id="rId6"/>
-    <p:sldId id="330" r:id="rId7"/>
-    <p:sldId id="331" r:id="rId8"/>
-    <p:sldId id="332" r:id="rId9"/>
-    <p:sldId id="333" r:id="rId10"/>
-    <p:sldId id="334" r:id="rId11"/>
-    <p:sldId id="335" r:id="rId12"/>
-    <p:sldId id="336" r:id="rId13"/>
-    <p:sldId id="337" r:id="rId14"/>
+    <p:sldId id="331" r:id="rId7"/>
+    <p:sldId id="332" r:id="rId8"/>
+    <p:sldId id="333" r:id="rId9"/>
+    <p:sldId id="334" r:id="rId10"/>
+    <p:sldId id="335" r:id="rId11"/>
+    <p:sldId id="336" r:id="rId12"/>
+    <p:sldId id="337" r:id="rId13"/>
   </p:sldIdLst>
   <p:sldSz cx="9144000" cy="6858000" type="screen4x3"/>
   <p:notesSz cx="6858000" cy="9144000"/>
@@ -221,7 +220,7 @@
             <a:fld id="{FD6E9330-9392-43C4-950A-D5CED98CCE45}" type="datetimeFigureOut">
               <a:rPr lang="en-US" smtClean="0"/>
               <a:pPr/>
-              <a:t>9/2/2021</a:t>
+              <a:t>2/28/2022</a:t>
             </a:fld>
             <a:endParaRPr lang="en-US"/>
           </a:p>
@@ -779,7 +778,7 @@
             <a:fld id="{1D8BD707-D9CF-40AE-B4C6-C98DA3205C09}" type="datetimeFigureOut">
               <a:rPr lang="en-US" smtClean="0"/>
               <a:pPr/>
-              <a:t>9/2/2021</a:t>
+              <a:t>2/28/2022</a:t>
             </a:fld>
             <a:endParaRPr lang="en-US"/>
           </a:p>
@@ -971,7 +970,7 @@
             <a:fld id="{1D8BD707-D9CF-40AE-B4C6-C98DA3205C09}" type="datetimeFigureOut">
               <a:rPr lang="en-US" smtClean="0"/>
               <a:pPr/>
-              <a:t>9/2/2021</a:t>
+              <a:t>2/28/2022</a:t>
             </a:fld>
             <a:endParaRPr lang="en-US"/>
           </a:p>
@@ -1157,7 +1156,7 @@
             <a:fld id="{1D8BD707-D9CF-40AE-B4C6-C98DA3205C09}" type="datetimeFigureOut">
               <a:rPr lang="en-US" smtClean="0"/>
               <a:pPr/>
-              <a:t>9/2/2021</a:t>
+              <a:t>2/28/2022</a:t>
             </a:fld>
             <a:endParaRPr lang="en-US"/>
           </a:p>
@@ -2173,7 +2172,7 @@
             <a:fld id="{1D8BD707-D9CF-40AE-B4C6-C98DA3205C09}" type="datetimeFigureOut">
               <a:rPr lang="en-US" smtClean="0"/>
               <a:pPr/>
-              <a:t>9/2/2021</a:t>
+              <a:t>2/28/2022</a:t>
             </a:fld>
             <a:endParaRPr lang="en-US"/>
           </a:p>
@@ -2590,7 +2589,7 @@
             <a:fld id="{1D8BD707-D9CF-40AE-B4C6-C98DA3205C09}" type="datetimeFigureOut">
               <a:rPr lang="en-US" smtClean="0"/>
               <a:pPr/>
-              <a:t>9/2/2021</a:t>
+              <a:t>2/28/2022</a:t>
             </a:fld>
             <a:endParaRPr lang="en-US"/>
           </a:p>
@@ -2833,7 +2832,7 @@
             <a:fld id="{1D8BD707-D9CF-40AE-B4C6-C98DA3205C09}" type="datetimeFigureOut">
               <a:rPr lang="en-US" smtClean="0"/>
               <a:pPr/>
-              <a:t>9/2/2021</a:t>
+              <a:t>2/28/2022</a:t>
             </a:fld>
             <a:endParaRPr lang="en-US"/>
           </a:p>
@@ -3070,7 +3069,7 @@
             <a:fld id="{1D8BD707-D9CF-40AE-B4C6-C98DA3205C09}" type="datetimeFigureOut">
               <a:rPr lang="en-US" smtClean="0"/>
               <a:pPr/>
-              <a:t>9/2/2021</a:t>
+              <a:t>2/28/2022</a:t>
             </a:fld>
             <a:endParaRPr lang="en-US"/>
           </a:p>
@@ -3266,7 +3265,7 @@
             <a:fld id="{1D8BD707-D9CF-40AE-B4C6-C98DA3205C09}" type="datetimeFigureOut">
               <a:rPr lang="en-US" smtClean="0"/>
               <a:pPr/>
-              <a:t>9/2/2021</a:t>
+              <a:t>2/28/2022</a:t>
             </a:fld>
             <a:endParaRPr lang="en-US"/>
           </a:p>
@@ -3366,7 +3365,7 @@
             <a:fld id="{1D8BD707-D9CF-40AE-B4C6-C98DA3205C09}" type="datetimeFigureOut">
               <a:rPr lang="en-US" smtClean="0"/>
               <a:pPr/>
-              <a:t>9/2/2021</a:t>
+              <a:t>2/28/2022</a:t>
             </a:fld>
             <a:endParaRPr lang="en-US"/>
           </a:p>
@@ -3503,7 +3502,7 @@
             <a:fld id="{1D8BD707-D9CF-40AE-B4C6-C98DA3205C09}" type="datetimeFigureOut">
               <a:rPr lang="en-US" smtClean="0"/>
               <a:pPr/>
-              <a:t>9/2/2021</a:t>
+              <a:t>2/28/2022</a:t>
             </a:fld>
             <a:endParaRPr lang="en-US"/>
           </a:p>
@@ -4022,7 +4021,7 @@
             <a:fld id="{1D8BD707-D9CF-40AE-B4C6-C98DA3205C09}" type="datetimeFigureOut">
               <a:rPr lang="en-US" smtClean="0"/>
               <a:pPr/>
-              <a:t>9/2/2021</a:t>
+              <a:t>2/28/2022</a:t>
             </a:fld>
             <a:endParaRPr lang="en-US"/>
           </a:p>
@@ -4283,7 +4282,7 @@
             <a:fld id="{1D8BD707-D9CF-40AE-B4C6-C98DA3205C09}" type="datetimeFigureOut">
               <a:rPr lang="en-US" smtClean="0"/>
               <a:pPr/>
-              <a:t>9/2/2021</a:t>
+              <a:t>2/28/2022</a:t>
             </a:fld>
             <a:endParaRPr lang="en-US"/>
           </a:p>
@@ -5490,18 +5489,7 @@
                 </a:solidFill>
                 <a:latin typeface="Verdana"/>
               </a:rPr>
-              <a:t>Entity Framework Core is the new version of Entity Framework after EF 6.x.</a:t>
-            </a:r>
-          </a:p>
-          <a:p>
-            <a:r>
-              <a:rPr lang="en-US" sz="1400" dirty="0">
-                <a:solidFill>
-                  <a:srgbClr val="181717"/>
-                </a:solidFill>
-                <a:latin typeface="Verdana"/>
-              </a:rPr>
-              <a:t>It is open-source, lightweight, extensible and a cross-platform version.</a:t>
+              <a:t>Entity Framework (EF) Core is a lightweight, extensible, open source and cross-platform version of the popular Entity Framework data access technology.</a:t>
             </a:r>
           </a:p>
           <a:p>
@@ -5591,12 +5579,14 @@
         </p:nvSpPr>
         <p:spPr/>
         <p:txBody>
-          <a:bodyPr/>
+          <a:bodyPr>
+            <a:normAutofit fontScale="90000"/>
+          </a:bodyPr>
           <a:lstStyle/>
           <a:p>
             <a:r>
               <a:rPr lang="en-US" dirty="0"/>
-              <a:t>Adding a Migration</a:t>
+              <a:t>Creating a Model for an Existing Database in Entity Framework Core</a:t>
             </a:r>
           </a:p>
         </p:txBody>
@@ -5619,116 +5609,109 @@
           <a:lstStyle/>
           <a:p>
             <a:r>
-              <a:rPr lang="en-US" sz="1400" dirty="0"/>
-              <a:t>EF Core includes different migration commands to create or update the database based on the model.</a:t>
-            </a:r>
-          </a:p>
-          <a:p>
-            <a:r>
-              <a:rPr lang="en-US" sz="1400" dirty="0"/>
-              <a:t>we need to create the database from the model (entities and context) by adding a migration.</a:t>
-            </a:r>
-          </a:p>
-          <a:p>
-            <a:r>
-              <a:rPr lang="en-US" sz="1400" dirty="0"/>
-              <a:t>We can execute the migration command using </a:t>
-            </a:r>
-            <a:r>
-              <a:rPr lang="en-US" sz="1400" dirty="0" err="1"/>
-              <a:t>NuGet</a:t>
-            </a:r>
-            <a:r>
-              <a:rPr lang="en-US" sz="1400" dirty="0"/>
-              <a:t> Package Manger Console as well as </a:t>
-            </a:r>
-            <a:r>
-              <a:rPr lang="en-US" sz="1400" dirty="0" err="1"/>
-              <a:t>dotnet</a:t>
-            </a:r>
-            <a:r>
-              <a:rPr lang="en-US" sz="1400" dirty="0"/>
-              <a:t> CLI (command line interface).</a:t>
-            </a:r>
-          </a:p>
-          <a:p>
-            <a:r>
-              <a:rPr lang="en-US" sz="1400" dirty="0"/>
-              <a:t>In Visual Studio, open </a:t>
-            </a:r>
-            <a:r>
-              <a:rPr lang="en-US" sz="1400" dirty="0" err="1"/>
-              <a:t>NuGet</a:t>
-            </a:r>
-            <a:r>
-              <a:rPr lang="en-US" sz="1400" dirty="0"/>
-              <a:t> Package Manager Console from Tools -&gt; </a:t>
-            </a:r>
-            <a:r>
-              <a:rPr lang="en-US" sz="1400" dirty="0" err="1"/>
-              <a:t>NuGet</a:t>
-            </a:r>
-            <a:r>
-              <a:rPr lang="en-US" sz="1400" dirty="0"/>
-              <a:t> Package Manager -&gt; Package Manager Console and enter the following command:</a:t>
-            </a:r>
-          </a:p>
-          <a:p>
-            <a:r>
-              <a:rPr lang="en-US" sz="1400" dirty="0"/>
-              <a:t>PM&gt; add-migration </a:t>
-            </a:r>
-            <a:r>
-              <a:rPr lang="en-US" sz="1400" dirty="0" err="1"/>
-              <a:t>CreateSchoolDB</a:t>
-            </a:r>
-            <a:endParaRPr lang="en-US" sz="1400" dirty="0"/>
-          </a:p>
-          <a:p>
-            <a:r>
-              <a:rPr lang="en-US" sz="1400" dirty="0"/>
-              <a:t>After creating a migration, we still need to create the database using the update-database command in the Package Manager Console, as below.</a:t>
-            </a:r>
-          </a:p>
-          <a:p>
-            <a:r>
-              <a:rPr lang="en-US" sz="1400" dirty="0"/>
-              <a:t>PM&gt; update-database –verbose</a:t>
-            </a:r>
-          </a:p>
-          <a:p>
-            <a:r>
-              <a:rPr lang="en-US" sz="1400" dirty="0" err="1">
+              <a:rPr lang="en-US" sz="1800" dirty="0"/>
+              <a:t>PM&gt; Scaffold-</a:t>
+            </a:r>
+            <a:r>
+              <a:rPr lang="en-US" sz="1800" dirty="0" err="1"/>
+              <a:t>DbContext</a:t>
+            </a:r>
+            <a:r>
+              <a:rPr lang="en-US" sz="1800" dirty="0"/>
+              <a:t> "Server=.\</a:t>
+            </a:r>
+            <a:r>
+              <a:rPr lang="en-US" sz="1800" dirty="0" err="1"/>
+              <a:t>SQLExpress;Database</a:t>
+            </a:r>
+            <a:r>
+              <a:rPr lang="en-US" sz="1800" dirty="0"/>
+              <a:t>=</a:t>
+            </a:r>
+            <a:r>
+              <a:rPr lang="en-US" sz="1800" dirty="0" err="1"/>
+              <a:t>SchoolDB;Trusted_Connection</a:t>
+            </a:r>
+            <a:r>
+              <a:rPr lang="en-US" sz="1800" dirty="0"/>
+              <a:t>=True;" </a:t>
+            </a:r>
+            <a:r>
+              <a:rPr lang="en-US" sz="1800" dirty="0" err="1"/>
+              <a:t>Microsoft.EntityFrameworkCore.SqlServer</a:t>
+            </a:r>
+            <a:r>
+              <a:rPr lang="en-US" sz="1800" dirty="0"/>
+              <a:t> -</a:t>
+            </a:r>
+            <a:r>
+              <a:rPr lang="en-US" sz="1800" dirty="0" err="1"/>
+              <a:t>OutputDir</a:t>
+            </a:r>
+            <a:r>
+              <a:rPr lang="en-US" sz="1800" dirty="0"/>
+              <a:t> Models</a:t>
+            </a:r>
+          </a:p>
+          <a:p>
+            <a:r>
+              <a:rPr lang="en-US" sz="1800" dirty="0">
                 <a:latin typeface="Calibri" pitchFamily="34" charset="0"/>
                 <a:cs typeface="Calibri" pitchFamily="34" charset="0"/>
               </a:rPr>
-              <a:t>Note:</a:t>
-            </a:r>
-            <a:r>
-              <a:rPr lang="en-US" sz="1400" dirty="0" err="1"/>
-              <a:t>This</a:t>
-            </a:r>
-            <a:r>
-              <a:rPr lang="en-US" sz="1400" dirty="0"/>
-              <a:t> was the first migration to create a database. Now, whenever we add or update domain classes or configurations, we need to sync the database with the model using </a:t>
-            </a:r>
-            <a:r>
-              <a:rPr lang="en-US" sz="1400" b="1" dirty="0"/>
-              <a:t>add-migration</a:t>
-            </a:r>
-            <a:r>
-              <a:rPr lang="en-US" sz="1400" dirty="0"/>
-              <a:t> and </a:t>
-            </a:r>
-            <a:r>
-              <a:rPr lang="en-US" sz="1400" b="1" dirty="0"/>
-              <a:t>update-database</a:t>
-            </a:r>
-            <a:r>
-              <a:rPr lang="en-US" sz="1400" dirty="0"/>
-              <a:t> commands.</a:t>
-            </a:r>
-            <a:endParaRPr lang="en-US" sz="1400" dirty="0">
+              <a:t>Update models when tables are updated</a:t>
+            </a:r>
+          </a:p>
+          <a:p>
+            <a:r>
+              <a:rPr lang="en-US" sz="1800" dirty="0"/>
+              <a:t>PM&gt; Scaffold-</a:t>
+            </a:r>
+            <a:r>
+              <a:rPr lang="en-US" sz="1800" dirty="0" err="1"/>
+              <a:t>DbContext</a:t>
+            </a:r>
+            <a:r>
+              <a:rPr lang="en-US" sz="1800" dirty="0"/>
+              <a:t> "Server=.\</a:t>
+            </a:r>
+            <a:r>
+              <a:rPr lang="en-US" sz="1800" dirty="0" err="1"/>
+              <a:t>SQLExpress;Database</a:t>
+            </a:r>
+            <a:r>
+              <a:rPr lang="en-US" sz="1800" dirty="0"/>
+              <a:t>=</a:t>
+            </a:r>
+            <a:r>
+              <a:rPr lang="en-US" sz="1800" dirty="0" err="1"/>
+              <a:t>SchoolDB;Trusted_Connection</a:t>
+            </a:r>
+            <a:r>
+              <a:rPr lang="en-US" sz="1800" dirty="0"/>
+              <a:t>=True;" </a:t>
+            </a:r>
+            <a:r>
+              <a:rPr lang="en-US" sz="1800" dirty="0" err="1"/>
+              <a:t>Microsoft.EntityFrameworkCore.SqlServer</a:t>
+            </a:r>
+            <a:r>
+              <a:rPr lang="en-US" sz="1800" dirty="0"/>
+              <a:t> -</a:t>
+            </a:r>
+            <a:r>
+              <a:rPr lang="en-US" sz="1800" dirty="0" err="1"/>
+              <a:t>OutputDir</a:t>
+            </a:r>
+            <a:r>
+              <a:rPr lang="en-US" sz="1800" dirty="0"/>
+              <a:t> Models </a:t>
+            </a:r>
+            <a:r>
+              <a:rPr lang="en-US" sz="1800"/>
+              <a:t>-force</a:t>
+            </a:r>
+            <a:endParaRPr lang="en-US" sz="1800" dirty="0">
               <a:latin typeface="Calibri" pitchFamily="34" charset="0"/>
               <a:cs typeface="Calibri" pitchFamily="34" charset="0"/>
             </a:endParaRPr>
@@ -5744,182 +5727,6 @@
 </file>
 
 <file path=ppt/slides/slide11.xml><?xml version="1.0" encoding="utf-8"?>
-<p:sld xmlns:a="http://schemas.openxmlformats.org/drawingml/2006/main" xmlns:r="http://schemas.openxmlformats.org/officeDocument/2006/relationships" xmlns:p="http://schemas.openxmlformats.org/presentationml/2006/main">
-  <p:cSld>
-    <p:spTree>
-      <p:nvGrpSpPr>
-        <p:cNvPr id="1" name=""/>
-        <p:cNvGrpSpPr/>
-        <p:nvPr/>
-      </p:nvGrpSpPr>
-      <p:grpSpPr>
-        <a:xfrm>
-          <a:off x="0" y="0"/>
-          <a:ext cx="0" cy="0"/>
-          <a:chOff x="0" y="0"/>
-          <a:chExt cx="0" cy="0"/>
-        </a:xfrm>
-      </p:grpSpPr>
-      <p:sp>
-        <p:nvSpPr>
-          <p:cNvPr id="4" name="Title 3"/>
-          <p:cNvSpPr>
-            <a:spLocks noGrp="1"/>
-          </p:cNvSpPr>
-          <p:nvPr>
-            <p:ph type="title"/>
-          </p:nvPr>
-        </p:nvSpPr>
-        <p:spPr/>
-        <p:txBody>
-          <a:bodyPr>
-            <a:normAutofit fontScale="90000"/>
-          </a:bodyPr>
-          <a:lstStyle/>
-          <a:p>
-            <a:r>
-              <a:rPr lang="en-US" dirty="0"/>
-              <a:t>Creating a Model for an Existing Database in Entity Framework Core</a:t>
-            </a:r>
-          </a:p>
-        </p:txBody>
-      </p:sp>
-      <p:sp>
-        <p:nvSpPr>
-          <p:cNvPr id="6" name="Content Placeholder 5"/>
-          <p:cNvSpPr>
-            <a:spLocks noGrp="1"/>
-          </p:cNvSpPr>
-          <p:nvPr>
-            <p:ph sz="quarter" idx="1"/>
-          </p:nvPr>
-        </p:nvSpPr>
-        <p:spPr/>
-        <p:txBody>
-          <a:bodyPr>
-            <a:noAutofit/>
-          </a:bodyPr>
-          <a:lstStyle/>
-          <a:p>
-            <a:r>
-              <a:rPr lang="en-US" sz="1800" dirty="0"/>
-              <a:t>PM&gt; Scaffold-</a:t>
-            </a:r>
-            <a:r>
-              <a:rPr lang="en-US" sz="1800" dirty="0" err="1"/>
-              <a:t>DbContext</a:t>
-            </a:r>
-            <a:r>
-              <a:rPr lang="en-US" sz="1800" dirty="0"/>
-              <a:t> "Server=.\</a:t>
-            </a:r>
-            <a:r>
-              <a:rPr lang="en-US" sz="1800" dirty="0" err="1"/>
-              <a:t>SQLExpress;Database</a:t>
-            </a:r>
-            <a:r>
-              <a:rPr lang="en-US" sz="1800" dirty="0"/>
-              <a:t>=</a:t>
-            </a:r>
-            <a:r>
-              <a:rPr lang="en-US" sz="1800" dirty="0" err="1"/>
-              <a:t>SchoolDB;Trusted_Connection</a:t>
-            </a:r>
-            <a:r>
-              <a:rPr lang="en-US" sz="1800" dirty="0"/>
-              <a:t>=True;" </a:t>
-            </a:r>
-            <a:r>
-              <a:rPr lang="en-US" sz="1800" dirty="0" err="1"/>
-              <a:t>Microsoft.EntityFrameworkCore.SqlServer</a:t>
-            </a:r>
-            <a:r>
-              <a:rPr lang="en-US" sz="1800" dirty="0"/>
-              <a:t> -</a:t>
-            </a:r>
-            <a:r>
-              <a:rPr lang="en-US" sz="1800" dirty="0" err="1"/>
-              <a:t>OutputDir</a:t>
-            </a:r>
-            <a:r>
-              <a:rPr lang="en-US" sz="1800" dirty="0"/>
-              <a:t> Models</a:t>
-            </a:r>
-          </a:p>
-          <a:p>
-            <a:r>
-              <a:rPr lang="en-US" sz="1800" dirty="0">
-                <a:latin typeface="Calibri" pitchFamily="34" charset="0"/>
-                <a:cs typeface="Calibri" pitchFamily="34" charset="0"/>
-              </a:rPr>
-              <a:t>Update models when tables are updated</a:t>
-            </a:r>
-          </a:p>
-          <a:p>
-            <a:r>
-              <a:rPr lang="en-US" sz="1800" dirty="0"/>
-              <a:t>PM&gt; Scaffold-</a:t>
-            </a:r>
-            <a:r>
-              <a:rPr lang="en-US" sz="1800" dirty="0" err="1"/>
-              <a:t>DbContext</a:t>
-            </a:r>
-            <a:r>
-              <a:rPr lang="en-US" sz="1800" dirty="0"/>
-              <a:t> "Server=.\</a:t>
-            </a:r>
-            <a:r>
-              <a:rPr lang="en-US" sz="1800" dirty="0" err="1"/>
-              <a:t>SQLExpress;Database</a:t>
-            </a:r>
-            <a:r>
-              <a:rPr lang="en-US" sz="1800" dirty="0"/>
-              <a:t>=</a:t>
-            </a:r>
-            <a:r>
-              <a:rPr lang="en-US" sz="1800" dirty="0" err="1"/>
-              <a:t>SchoolDB;Trusted_Connection</a:t>
-            </a:r>
-            <a:r>
-              <a:rPr lang="en-US" sz="1800" dirty="0"/>
-              <a:t>=True;" </a:t>
-            </a:r>
-            <a:r>
-              <a:rPr lang="en-US" sz="1800" dirty="0" err="1"/>
-              <a:t>Microsoft.EntityFrameworkCore.SqlServer</a:t>
-            </a:r>
-            <a:r>
-              <a:rPr lang="en-US" sz="1800" dirty="0"/>
-              <a:t> -</a:t>
-            </a:r>
-            <a:r>
-              <a:rPr lang="en-US" sz="1800" dirty="0" err="1"/>
-              <a:t>OutputDir</a:t>
-            </a:r>
-            <a:r>
-              <a:rPr lang="en-US" sz="1800" dirty="0"/>
-              <a:t> Models </a:t>
-            </a:r>
-            <a:r>
-              <a:rPr lang="en-US" sz="1800"/>
-              <a:t>-force</a:t>
-            </a:r>
-            <a:endParaRPr lang="en-US" sz="1800" dirty="0">
-              <a:latin typeface="Calibri" pitchFamily="34" charset="0"/>
-              <a:cs typeface="Calibri" pitchFamily="34" charset="0"/>
-            </a:endParaRPr>
-          </a:p>
-        </p:txBody>
-      </p:sp>
-    </p:spTree>
-  </p:cSld>
-  <p:clrMapOvr>
-    <a:masterClrMapping/>
-  </p:clrMapOvr>
-</p:sld>
-</file>
-
-<file path=ppt/slides/slide12.xml><?xml version="1.0" encoding="utf-8"?>
 <p:sld xmlns:a="http://schemas.openxmlformats.org/drawingml/2006/main" xmlns:r="http://schemas.openxmlformats.org/officeDocument/2006/relationships" xmlns:p="http://schemas.openxmlformats.org/presentationml/2006/main">
   <p:cSld>
     <p:spTree>
@@ -6727,255 +6534,6 @@
 </file>
 
 <file path=ppt/slides/slide5.xml><?xml version="1.0" encoding="utf-8"?>
-<p:sld xmlns:a="http://schemas.openxmlformats.org/drawingml/2006/main" xmlns:r="http://schemas.openxmlformats.org/officeDocument/2006/relationships" xmlns:p="http://schemas.openxmlformats.org/presentationml/2006/main">
-  <p:cSld>
-    <p:spTree>
-      <p:nvGrpSpPr>
-        <p:cNvPr id="1" name=""/>
-        <p:cNvGrpSpPr/>
-        <p:nvPr/>
-      </p:nvGrpSpPr>
-      <p:grpSpPr>
-        <a:xfrm>
-          <a:off x="0" y="0"/>
-          <a:ext cx="0" cy="0"/>
-          <a:chOff x="0" y="0"/>
-          <a:chExt cx="0" cy="0"/>
-        </a:xfrm>
-      </p:grpSpPr>
-      <p:sp>
-        <p:nvSpPr>
-          <p:cNvPr id="4" name="Title 3"/>
-          <p:cNvSpPr>
-            <a:spLocks noGrp="1"/>
-          </p:cNvSpPr>
-          <p:nvPr>
-            <p:ph type="title"/>
-          </p:nvPr>
-        </p:nvSpPr>
-        <p:spPr/>
-        <p:txBody>
-          <a:bodyPr/>
-          <a:lstStyle/>
-          <a:p>
-            <a:r>
-              <a:rPr lang="en-US" dirty="0"/>
-              <a:t>EF Core </a:t>
-            </a:r>
-            <a:r>
-              <a:rPr lang="en-US" dirty="0" err="1"/>
-              <a:t>vs</a:t>
-            </a:r>
-            <a:r>
-              <a:rPr lang="en-US" dirty="0"/>
-              <a:t> EF 6</a:t>
-            </a:r>
-          </a:p>
-        </p:txBody>
-      </p:sp>
-      <p:sp>
-        <p:nvSpPr>
-          <p:cNvPr id="6" name="Content Placeholder 5"/>
-          <p:cNvSpPr>
-            <a:spLocks noGrp="1"/>
-          </p:cNvSpPr>
-          <p:nvPr>
-            <p:ph sz="quarter" idx="1"/>
-          </p:nvPr>
-        </p:nvSpPr>
-        <p:spPr/>
-        <p:txBody>
-          <a:bodyPr>
-            <a:normAutofit/>
-          </a:bodyPr>
-          <a:lstStyle/>
-          <a:p>
-            <a:r>
-              <a:rPr lang="en-US" sz="1400" dirty="0">
-                <a:solidFill>
-                  <a:srgbClr val="181717"/>
-                </a:solidFill>
-                <a:latin typeface="Verdana"/>
-              </a:rPr>
-              <a:t>Entity Framework Core is the new and improved version of Entity Framework for .NET Core applications. EF Core is new, so still not as mature as EF 6.</a:t>
-            </a:r>
-          </a:p>
-          <a:p>
-            <a:pPr algn="just"/>
-            <a:r>
-              <a:rPr lang="en-US" sz="1400" dirty="0">
-                <a:solidFill>
-                  <a:srgbClr val="181717"/>
-                </a:solidFill>
-                <a:latin typeface="Verdana"/>
-              </a:rPr>
-              <a:t>EF Core continues to support the following features and concepts, same as EF 6.</a:t>
-            </a:r>
-          </a:p>
-          <a:p>
-            <a:pPr algn="just">
-              <a:buFont typeface="+mj-lt"/>
-              <a:buAutoNum type="arabicPeriod"/>
-            </a:pPr>
-            <a:r>
-              <a:rPr lang="en-US" sz="1400" dirty="0" err="1">
-                <a:solidFill>
-                  <a:srgbClr val="181717"/>
-                </a:solidFill>
-                <a:latin typeface="Verdana"/>
-              </a:rPr>
-              <a:t>DbContext</a:t>
-            </a:r>
-            <a:r>
-              <a:rPr lang="en-US" sz="1400" dirty="0">
-                <a:solidFill>
-                  <a:srgbClr val="181717"/>
-                </a:solidFill>
-                <a:latin typeface="Verdana"/>
-              </a:rPr>
-              <a:t> &amp; </a:t>
-            </a:r>
-            <a:r>
-              <a:rPr lang="en-US" sz="1400" dirty="0" err="1">
-                <a:solidFill>
-                  <a:srgbClr val="181717"/>
-                </a:solidFill>
-                <a:latin typeface="Verdana"/>
-              </a:rPr>
-              <a:t>DbSet</a:t>
-            </a:r>
-            <a:endParaRPr lang="en-US" sz="1400" dirty="0">
-              <a:solidFill>
-                <a:srgbClr val="181717"/>
-              </a:solidFill>
-              <a:latin typeface="Verdana"/>
-            </a:endParaRPr>
-          </a:p>
-          <a:p>
-            <a:pPr algn="just">
-              <a:buFont typeface="+mj-lt"/>
-              <a:buAutoNum type="arabicPeriod"/>
-            </a:pPr>
-            <a:r>
-              <a:rPr lang="en-US" sz="1400" dirty="0">
-                <a:solidFill>
-                  <a:srgbClr val="181717"/>
-                </a:solidFill>
-                <a:latin typeface="Verdana"/>
-              </a:rPr>
-              <a:t>Data Model</a:t>
-            </a:r>
-          </a:p>
-          <a:p>
-            <a:pPr algn="just">
-              <a:buFont typeface="+mj-lt"/>
-              <a:buAutoNum type="arabicPeriod"/>
-            </a:pPr>
-            <a:r>
-              <a:rPr lang="en-US" sz="1400" dirty="0">
-                <a:solidFill>
-                  <a:srgbClr val="181717"/>
-                </a:solidFill>
-                <a:latin typeface="Verdana"/>
-              </a:rPr>
-              <a:t>Querying using </a:t>
-            </a:r>
-            <a:r>
-              <a:rPr lang="en-US" sz="1400" dirty="0" err="1">
-                <a:solidFill>
-                  <a:srgbClr val="181717"/>
-                </a:solidFill>
-                <a:latin typeface="Verdana"/>
-              </a:rPr>
-              <a:t>Linq</a:t>
-            </a:r>
-            <a:r>
-              <a:rPr lang="en-US" sz="1400" dirty="0">
-                <a:solidFill>
-                  <a:srgbClr val="181717"/>
-                </a:solidFill>
-                <a:latin typeface="Verdana"/>
-              </a:rPr>
-              <a:t>-to-Entities</a:t>
-            </a:r>
-          </a:p>
-          <a:p>
-            <a:pPr algn="just">
-              <a:buFont typeface="+mj-lt"/>
-              <a:buAutoNum type="arabicPeriod"/>
-            </a:pPr>
-            <a:r>
-              <a:rPr lang="en-US" sz="1400" dirty="0">
-                <a:solidFill>
-                  <a:srgbClr val="181717"/>
-                </a:solidFill>
-                <a:latin typeface="Verdana"/>
-              </a:rPr>
-              <a:t>Change Tracking</a:t>
-            </a:r>
-          </a:p>
-          <a:p>
-            <a:pPr algn="just">
-              <a:buFont typeface="+mj-lt"/>
-              <a:buAutoNum type="arabicPeriod"/>
-            </a:pPr>
-            <a:r>
-              <a:rPr lang="en-US" sz="1400" dirty="0" err="1">
-                <a:solidFill>
-                  <a:srgbClr val="181717"/>
-                </a:solidFill>
-                <a:latin typeface="Verdana"/>
-              </a:rPr>
-              <a:t>SaveChanges</a:t>
-            </a:r>
-            <a:endParaRPr lang="en-US" sz="1400" dirty="0">
-              <a:solidFill>
-                <a:srgbClr val="181717"/>
-              </a:solidFill>
-              <a:latin typeface="Verdana"/>
-            </a:endParaRPr>
-          </a:p>
-          <a:p>
-            <a:pPr algn="just">
-              <a:buFont typeface="+mj-lt"/>
-              <a:buAutoNum type="arabicPeriod"/>
-            </a:pPr>
-            <a:r>
-              <a:rPr lang="en-US" sz="1400" dirty="0">
-                <a:solidFill>
-                  <a:srgbClr val="181717"/>
-                </a:solidFill>
-                <a:latin typeface="Verdana"/>
-              </a:rPr>
-              <a:t>Migrations</a:t>
-            </a:r>
-          </a:p>
-          <a:p>
-            <a:pPr algn="just"/>
-            <a:endParaRPr lang="en-US" sz="1400" dirty="0">
-              <a:solidFill>
-                <a:srgbClr val="181717"/>
-              </a:solidFill>
-              <a:latin typeface="Verdana"/>
-            </a:endParaRPr>
-          </a:p>
-          <a:p>
-            <a:endParaRPr lang="en-US" sz="1200" dirty="0">
-              <a:latin typeface="Calibri" pitchFamily="34" charset="0"/>
-              <a:cs typeface="Calibri" pitchFamily="34" charset="0"/>
-            </a:endParaRPr>
-          </a:p>
-        </p:txBody>
-      </p:sp>
-    </p:spTree>
-  </p:cSld>
-  <p:clrMapOvr>
-    <a:masterClrMapping/>
-  </p:clrMapOvr>
-</p:sld>
-</file>
-
-<file path=ppt/slides/slide6.xml><?xml version="1.0" encoding="utf-8"?>
 <p:sld xmlns:a="http://schemas.openxmlformats.org/drawingml/2006/main" xmlns:r="http://schemas.openxmlformats.org/officeDocument/2006/relationships" xmlns:p="http://schemas.openxmlformats.org/presentationml/2006/main">
   <p:cSld>
     <p:spTree>
@@ -7494,6 +7052,226 @@
 </p:sld>
 </file>
 
+<file path=ppt/slides/slide6.xml><?xml version="1.0" encoding="utf-8"?>
+<p:sld xmlns:a="http://schemas.openxmlformats.org/drawingml/2006/main" xmlns:r="http://schemas.openxmlformats.org/officeDocument/2006/relationships" xmlns:p="http://schemas.openxmlformats.org/presentationml/2006/main">
+  <p:cSld>
+    <p:spTree>
+      <p:nvGrpSpPr>
+        <p:cNvPr id="1" name=""/>
+        <p:cNvGrpSpPr/>
+        <p:nvPr/>
+      </p:nvGrpSpPr>
+      <p:grpSpPr>
+        <a:xfrm>
+          <a:off x="0" y="0"/>
+          <a:ext cx="0" cy="0"/>
+          <a:chOff x="0" y="0"/>
+          <a:chExt cx="0" cy="0"/>
+        </a:xfrm>
+      </p:grpSpPr>
+      <p:sp>
+        <p:nvSpPr>
+          <p:cNvPr id="4" name="Title 3"/>
+          <p:cNvSpPr>
+            <a:spLocks noGrp="1"/>
+          </p:cNvSpPr>
+          <p:nvPr>
+            <p:ph type="title"/>
+          </p:nvPr>
+        </p:nvSpPr>
+        <p:spPr/>
+        <p:txBody>
+          <a:bodyPr/>
+          <a:lstStyle/>
+          <a:p>
+            <a:r>
+              <a:rPr lang="en-US" dirty="0"/>
+              <a:t>Install Entity Framework Core</a:t>
+            </a:r>
+          </a:p>
+        </p:txBody>
+      </p:sp>
+      <p:sp>
+        <p:nvSpPr>
+          <p:cNvPr id="6" name="Content Placeholder 5"/>
+          <p:cNvSpPr>
+            <a:spLocks noGrp="1"/>
+          </p:cNvSpPr>
+          <p:nvPr>
+            <p:ph sz="quarter" idx="1"/>
+          </p:nvPr>
+        </p:nvSpPr>
+        <p:spPr/>
+        <p:txBody>
+          <a:bodyPr>
+            <a:normAutofit/>
+          </a:bodyPr>
+          <a:lstStyle/>
+          <a:p>
+            <a:r>
+              <a:rPr lang="en-US" sz="1400" dirty="0">
+                <a:solidFill>
+                  <a:srgbClr val="181717"/>
+                </a:solidFill>
+                <a:latin typeface="Verdana"/>
+              </a:rPr>
+              <a:t>Entity Framework Core can be used with .NET Core or .NET 4.6 based applications.</a:t>
+            </a:r>
+          </a:p>
+          <a:p>
+            <a:pPr algn="just"/>
+            <a:r>
+              <a:rPr lang="en-US" sz="1400" dirty="0">
+                <a:solidFill>
+                  <a:srgbClr val="181717"/>
+                </a:solidFill>
+                <a:latin typeface="Verdana"/>
+              </a:rPr>
+              <a:t>EF Core is not a part of .NET Core and standard .NET framework. It is available as a </a:t>
+            </a:r>
+            <a:r>
+              <a:rPr lang="en-US" sz="1400" dirty="0" err="1">
+                <a:solidFill>
+                  <a:srgbClr val="181717"/>
+                </a:solidFill>
+                <a:latin typeface="Verdana"/>
+              </a:rPr>
+              <a:t>NuGet</a:t>
+            </a:r>
+            <a:r>
+              <a:rPr lang="en-US" sz="1400" dirty="0">
+                <a:solidFill>
+                  <a:srgbClr val="181717"/>
+                </a:solidFill>
+                <a:latin typeface="Verdana"/>
+              </a:rPr>
+              <a:t> package. You need to install </a:t>
+            </a:r>
+            <a:r>
+              <a:rPr lang="en-US" sz="1400" dirty="0" err="1">
+                <a:solidFill>
+                  <a:srgbClr val="181717"/>
+                </a:solidFill>
+                <a:latin typeface="Verdana"/>
+              </a:rPr>
+              <a:t>NuGet</a:t>
+            </a:r>
+            <a:r>
+              <a:rPr lang="en-US" sz="1400" dirty="0">
+                <a:solidFill>
+                  <a:srgbClr val="181717"/>
+                </a:solidFill>
+                <a:latin typeface="Verdana"/>
+              </a:rPr>
+              <a:t> packages for the following two things to use EF Core in your application:</a:t>
+            </a:r>
+          </a:p>
+          <a:p>
+            <a:pPr algn="just">
+              <a:buFont typeface="+mj-lt"/>
+              <a:buAutoNum type="arabicPeriod"/>
+            </a:pPr>
+            <a:r>
+              <a:rPr lang="en-US" sz="1400" dirty="0">
+                <a:solidFill>
+                  <a:srgbClr val="181717"/>
+                </a:solidFill>
+                <a:latin typeface="Verdana"/>
+              </a:rPr>
+              <a:t>EF Core DB provider</a:t>
+            </a:r>
+          </a:p>
+          <a:p>
+            <a:pPr algn="just">
+              <a:buFont typeface="+mj-lt"/>
+              <a:buAutoNum type="arabicPeriod"/>
+            </a:pPr>
+            <a:r>
+              <a:rPr lang="en-US" sz="1400" dirty="0">
+                <a:solidFill>
+                  <a:srgbClr val="181717"/>
+                </a:solidFill>
+                <a:latin typeface="Verdana"/>
+              </a:rPr>
+              <a:t>EF Core tools</a:t>
+            </a:r>
+          </a:p>
+          <a:p>
+            <a:r>
+              <a:rPr lang="en-US" sz="1400" dirty="0">
+                <a:solidFill>
+                  <a:srgbClr val="181717"/>
+                </a:solidFill>
+                <a:latin typeface="Verdana"/>
+              </a:rPr>
+              <a:t>PM&gt; Install-Package </a:t>
+            </a:r>
+            <a:r>
+              <a:rPr lang="en-US" sz="1400" dirty="0" err="1">
+                <a:solidFill>
+                  <a:srgbClr val="181717"/>
+                </a:solidFill>
+                <a:latin typeface="Verdana"/>
+              </a:rPr>
+              <a:t>Microsoft.EntityFrameworkCore.SqlServer</a:t>
+            </a:r>
+            <a:endParaRPr lang="en-US" sz="1400" dirty="0">
+              <a:solidFill>
+                <a:srgbClr val="181717"/>
+              </a:solidFill>
+              <a:latin typeface="Verdana"/>
+            </a:endParaRPr>
+          </a:p>
+          <a:p>
+            <a:r>
+              <a:rPr lang="en-US" sz="1400" dirty="0">
+                <a:solidFill>
+                  <a:srgbClr val="181717"/>
+                </a:solidFill>
+                <a:latin typeface="Verdana"/>
+              </a:rPr>
+              <a:t>PM&gt; Install-Package </a:t>
+            </a:r>
+            <a:r>
+              <a:rPr lang="en-US" sz="1400" dirty="0" err="1">
+                <a:solidFill>
+                  <a:srgbClr val="000000"/>
+                </a:solidFill>
+                <a:latin typeface="SFMono-Regular"/>
+              </a:rPr>
+              <a:t>Microsoft.EntityFrameworkCore.Tools</a:t>
+            </a:r>
+            <a:endParaRPr lang="en-US" sz="1400" dirty="0">
+              <a:solidFill>
+                <a:srgbClr val="181717"/>
+              </a:solidFill>
+              <a:latin typeface="Verdana"/>
+            </a:endParaRPr>
+          </a:p>
+          <a:p>
+            <a:endParaRPr lang="en-US" sz="1400" dirty="0">
+              <a:solidFill>
+                <a:srgbClr val="181717"/>
+              </a:solidFill>
+              <a:latin typeface="Verdana"/>
+            </a:endParaRPr>
+          </a:p>
+          <a:p>
+            <a:endParaRPr lang="en-US" sz="1200" dirty="0">
+              <a:latin typeface="Calibri" pitchFamily="34" charset="0"/>
+              <a:cs typeface="Calibri" pitchFamily="34" charset="0"/>
+            </a:endParaRPr>
+          </a:p>
+        </p:txBody>
+      </p:sp>
+    </p:spTree>
+  </p:cSld>
+  <p:clrMapOvr>
+    <a:masterClrMapping/>
+  </p:clrMapOvr>
+</p:sld>
+</file>
+
 <file path=ppt/slides/slide7.xml><?xml version="1.0" encoding="utf-8"?>
 <p:sld xmlns:a="http://schemas.openxmlformats.org/drawingml/2006/main" xmlns:r="http://schemas.openxmlformats.org/officeDocument/2006/relationships" xmlns:p="http://schemas.openxmlformats.org/presentationml/2006/main">
   <p:cSld>
@@ -7528,8 +7306,13 @@
           <a:p>
             <a:r>
               <a:rPr lang="en-US" dirty="0"/>
-              <a:t>Install Entity Framework Core</a:t>
-            </a:r>
+              <a:t>Entity Framework Core: </a:t>
+            </a:r>
+            <a:r>
+              <a:rPr lang="en-US" dirty="0" err="1"/>
+              <a:t>DbContext</a:t>
+            </a:r>
+            <a:endParaRPr lang="en-US" dirty="0"/>
           </a:p>
         </p:txBody>
       </p:sp>
@@ -7546,116 +7329,39 @@
         <p:spPr/>
         <p:txBody>
           <a:bodyPr>
-            <a:normAutofit/>
+            <a:noAutofit/>
           </a:bodyPr>
           <a:lstStyle/>
           <a:p>
             <a:r>
-              <a:rPr lang="en-US" sz="1400" dirty="0">
-                <a:solidFill>
-                  <a:srgbClr val="181717"/>
-                </a:solidFill>
-                <a:latin typeface="Verdana"/>
+              <a:rPr lang="en-US" sz="1400" dirty="0"/>
+              <a:t>The </a:t>
+            </a:r>
+            <a:r>
+              <a:rPr lang="en-US" sz="1400" dirty="0" err="1">
+                <a:hlinkClick r:id="rId2"/>
               </a:rPr>
-              <a:t>Entity Framework Core can be used with .NET Core or .NET 4.6 based applications.</a:t>
-            </a:r>
-          </a:p>
-          <a:p>
-            <a:pPr algn="just"/>
-            <a:r>
-              <a:rPr lang="en-US" sz="1400" dirty="0">
-                <a:solidFill>
-                  <a:srgbClr val="181717"/>
-                </a:solidFill>
-                <a:latin typeface="Verdana"/>
-              </a:rPr>
-              <a:t>EF Core is not a part of .NET Core and standard .NET framework. It is available as a </a:t>
-            </a:r>
-            <a:r>
-              <a:rPr lang="en-US" sz="1400" dirty="0" err="1">
-                <a:solidFill>
-                  <a:srgbClr val="181717"/>
-                </a:solidFill>
-                <a:latin typeface="Verdana"/>
-              </a:rPr>
-              <a:t>NuGet</a:t>
-            </a:r>
-            <a:r>
-              <a:rPr lang="en-US" sz="1400" dirty="0">
-                <a:solidFill>
-                  <a:srgbClr val="181717"/>
-                </a:solidFill>
-                <a:latin typeface="Verdana"/>
-              </a:rPr>
-              <a:t> package. You need to install </a:t>
-            </a:r>
-            <a:r>
-              <a:rPr lang="en-US" sz="1400" dirty="0" err="1">
-                <a:solidFill>
-                  <a:srgbClr val="181717"/>
-                </a:solidFill>
-                <a:latin typeface="Verdana"/>
-              </a:rPr>
-              <a:t>NuGet</a:t>
-            </a:r>
-            <a:r>
-              <a:rPr lang="en-US" sz="1400" dirty="0">
-                <a:solidFill>
-                  <a:srgbClr val="181717"/>
-                </a:solidFill>
-                <a:latin typeface="Verdana"/>
-              </a:rPr>
-              <a:t> packages for the following two things to use EF Core in your application:</a:t>
-            </a:r>
-          </a:p>
-          <a:p>
-            <a:pPr algn="just">
-              <a:buFont typeface="+mj-lt"/>
-              <a:buAutoNum type="arabicPeriod"/>
-            </a:pPr>
-            <a:r>
-              <a:rPr lang="en-US" sz="1400" dirty="0">
-                <a:solidFill>
-                  <a:srgbClr val="181717"/>
-                </a:solidFill>
-                <a:latin typeface="Verdana"/>
-              </a:rPr>
-              <a:t>EF Core DB provider</a:t>
-            </a:r>
-          </a:p>
-          <a:p>
-            <a:pPr algn="just">
-              <a:buFont typeface="+mj-lt"/>
-              <a:buAutoNum type="arabicPeriod"/>
-            </a:pPr>
-            <a:r>
-              <a:rPr lang="en-US" sz="1400" dirty="0">
-                <a:solidFill>
-                  <a:srgbClr val="181717"/>
-                </a:solidFill>
-                <a:latin typeface="Verdana"/>
-              </a:rPr>
-              <a:t>EF Core tools</a:t>
-            </a:r>
-          </a:p>
-          <a:p>
-            <a:r>
-              <a:rPr lang="en-US" sz="1400" dirty="0">
-                <a:solidFill>
-                  <a:srgbClr val="181717"/>
-                </a:solidFill>
-                <a:latin typeface="Verdana"/>
-              </a:rPr>
-              <a:t>PM&gt; Install-Package </a:t>
-            </a:r>
-            <a:r>
-              <a:rPr lang="en-US" sz="1400" dirty="0" err="1">
-                <a:solidFill>
-                  <a:srgbClr val="181717"/>
-                </a:solidFill>
-                <a:latin typeface="Verdana"/>
-              </a:rPr>
-              <a:t>Microsoft.EntityFrameworkCore.SqlServer</a:t>
+              <a:t>DbContext</a:t>
+            </a:r>
+            <a:r>
+              <a:rPr lang="en-US" sz="1400" dirty="0"/>
+              <a:t> class is an integral part of Entity Framework. An instance of </a:t>
+            </a:r>
+            <a:r>
+              <a:rPr lang="en-US" sz="1400" dirty="0" err="1"/>
+              <a:t>DbContext</a:t>
+            </a:r>
+            <a:r>
+              <a:rPr lang="en-US" sz="1400" dirty="0"/>
+              <a:t> represents a session with the database which can be used to query and save instances of your entities to a database. </a:t>
+            </a:r>
+            <a:r>
+              <a:rPr lang="en-US" sz="1400" dirty="0" err="1"/>
+              <a:t>DbContext</a:t>
+            </a:r>
+            <a:r>
+              <a:rPr lang="en-US" sz="1400" dirty="0"/>
+              <a:t> is a combination of the Unit Of Work and Repository patterns.</a:t>
             </a:r>
             <a:endParaRPr lang="en-US" sz="1400" dirty="0">
               <a:solidFill>
@@ -7666,40 +7372,140 @@
           </a:p>
           <a:p>
             <a:r>
+              <a:rPr lang="en-US" sz="1400" dirty="0" err="1"/>
+              <a:t>DbContext</a:t>
+            </a:r>
+            <a:r>
+              <a:rPr lang="en-US" sz="1400" dirty="0"/>
+              <a:t> in EF Core allows us to perform following tasks:</a:t>
+            </a:r>
+          </a:p>
+          <a:p>
+            <a:pPr lvl="1"/>
+            <a:r>
+              <a:rPr lang="en-US" sz="1400" dirty="0"/>
+              <a:t>Manage database connection</a:t>
+            </a:r>
+          </a:p>
+          <a:p>
+            <a:pPr lvl="1"/>
+            <a:r>
+              <a:rPr lang="en-US" sz="1400" dirty="0"/>
+              <a:t>Configure model &amp; relationship</a:t>
+            </a:r>
+          </a:p>
+          <a:p>
+            <a:pPr lvl="1"/>
+            <a:r>
+              <a:rPr lang="en-US" sz="1400" dirty="0"/>
+              <a:t>Querying database</a:t>
+            </a:r>
+          </a:p>
+          <a:p>
+            <a:pPr lvl="1"/>
+            <a:r>
+              <a:rPr lang="en-US" sz="1400" dirty="0"/>
+              <a:t>Saving data to the database</a:t>
+            </a:r>
+          </a:p>
+          <a:p>
+            <a:pPr lvl="1"/>
+            <a:r>
+              <a:rPr lang="en-US" sz="1400" dirty="0"/>
+              <a:t>Caching</a:t>
+            </a:r>
+          </a:p>
+          <a:p>
+            <a:pPr lvl="1"/>
+            <a:r>
+              <a:rPr lang="en-US" sz="1400" dirty="0"/>
+              <a:t>Transaction management</a:t>
+            </a:r>
+          </a:p>
+          <a:p>
+            <a:r>
+              <a:rPr lang="en-US" sz="1400" dirty="0"/>
+              <a:t>To use </a:t>
+            </a:r>
+            <a:r>
+              <a:rPr lang="en-US" sz="1400" dirty="0" err="1"/>
+              <a:t>DbContext</a:t>
+            </a:r>
+            <a:r>
+              <a:rPr lang="en-US" sz="1400" dirty="0"/>
+              <a:t> in our application, we need to create the class that derives from </a:t>
+            </a:r>
+            <a:r>
+              <a:rPr lang="en-US" sz="1400" dirty="0" err="1"/>
+              <a:t>DbContext</a:t>
+            </a:r>
+            <a:r>
+              <a:rPr lang="en-US" sz="1400" dirty="0"/>
+              <a:t>, also known as context class. This context class typically includes </a:t>
+            </a:r>
+            <a:r>
+              <a:rPr lang="en-US" sz="1400" dirty="0" err="1">
+                <a:hlinkClick r:id="rId3"/>
+              </a:rPr>
+              <a:t>DbSet</a:t>
+            </a:r>
+            <a:r>
               <a:rPr lang="en-US" sz="1400" dirty="0">
-                <a:solidFill>
-                  <a:srgbClr val="181717"/>
-                </a:solidFill>
-                <a:latin typeface="Verdana"/>
+                <a:hlinkClick r:id="rId3"/>
               </a:rPr>
-              <a:t>PM&gt; Install-Package </a:t>
+              <a:t>&lt;</a:t>
             </a:r>
             <a:r>
               <a:rPr lang="en-US" sz="1400" dirty="0" err="1">
-                <a:solidFill>
-                  <a:srgbClr val="000000"/>
-                </a:solidFill>
-                <a:latin typeface="SFMono-Regular"/>
+                <a:hlinkClick r:id="rId3"/>
               </a:rPr>
-              <a:t>Microsoft.EntityFrameworkCore.Tools</a:t>
+              <a:t>TEntity</a:t>
+            </a:r>
+            <a:r>
+              <a:rPr lang="en-US" sz="1400" dirty="0">
+                <a:hlinkClick r:id="rId3"/>
+              </a:rPr>
+              <a:t>&gt;</a:t>
+            </a:r>
+            <a:r>
+              <a:rPr lang="en-US" sz="1400" dirty="0"/>
+              <a:t> properties for each entity in the model. </a:t>
+            </a:r>
+          </a:p>
+          <a:p>
+            <a:r>
+              <a:rPr lang="en-US" sz="1400" dirty="0"/>
+              <a:t>entities </a:t>
+            </a:r>
+          </a:p>
+          <a:p>
+            <a:r>
+              <a:rPr lang="en-US" sz="1400" dirty="0"/>
+              <a:t>public </a:t>
+            </a:r>
+            <a:r>
+              <a:rPr lang="en-US" sz="1400" dirty="0" err="1"/>
+              <a:t>DbSet</a:t>
+            </a:r>
+            <a:r>
+              <a:rPr lang="en-US" sz="1400" dirty="0"/>
+              <a:t>&lt;Student&gt; Students { get; set; }</a:t>
+            </a:r>
+          </a:p>
+          <a:p>
+            <a:r>
+              <a:rPr lang="en-US" sz="1400" dirty="0"/>
+              <a:t> public </a:t>
+            </a:r>
+            <a:r>
+              <a:rPr lang="en-US" sz="1400" dirty="0" err="1"/>
+              <a:t>DbSet</a:t>
+            </a:r>
+            <a:r>
+              <a:rPr lang="en-US" sz="1400" dirty="0"/>
+              <a:t>&lt;Course&gt; Courses { get; set; } } </a:t>
             </a:r>
             <a:endParaRPr lang="en-US" sz="1400" dirty="0">
-              <a:solidFill>
-                <a:srgbClr val="181717"/>
-              </a:solidFill>
-              <a:latin typeface="Verdana"/>
-            </a:endParaRPr>
-          </a:p>
-          <a:p>
-            <a:endParaRPr lang="en-US" sz="1400" dirty="0">
-              <a:solidFill>
-                <a:srgbClr val="181717"/>
-              </a:solidFill>
-              <a:latin typeface="Verdana"/>
-            </a:endParaRPr>
-          </a:p>
-          <a:p>
-            <a:endParaRPr lang="en-US" sz="1200" dirty="0">
               <a:latin typeface="Calibri" pitchFamily="34" charset="0"/>
               <a:cs typeface="Calibri" pitchFamily="34" charset="0"/>
             </a:endParaRPr>
@@ -7715,261 +7521,6 @@
 </file>
 
 <file path=ppt/slides/slide8.xml><?xml version="1.0" encoding="utf-8"?>
-<p:sld xmlns:a="http://schemas.openxmlformats.org/drawingml/2006/main" xmlns:r="http://schemas.openxmlformats.org/officeDocument/2006/relationships" xmlns:p="http://schemas.openxmlformats.org/presentationml/2006/main">
-  <p:cSld>
-    <p:spTree>
-      <p:nvGrpSpPr>
-        <p:cNvPr id="1" name=""/>
-        <p:cNvGrpSpPr/>
-        <p:nvPr/>
-      </p:nvGrpSpPr>
-      <p:grpSpPr>
-        <a:xfrm>
-          <a:off x="0" y="0"/>
-          <a:ext cx="0" cy="0"/>
-          <a:chOff x="0" y="0"/>
-          <a:chExt cx="0" cy="0"/>
-        </a:xfrm>
-      </p:grpSpPr>
-      <p:sp>
-        <p:nvSpPr>
-          <p:cNvPr id="4" name="Title 3"/>
-          <p:cNvSpPr>
-            <a:spLocks noGrp="1"/>
-          </p:cNvSpPr>
-          <p:nvPr>
-            <p:ph type="title"/>
-          </p:nvPr>
-        </p:nvSpPr>
-        <p:spPr/>
-        <p:txBody>
-          <a:bodyPr/>
-          <a:lstStyle/>
-          <a:p>
-            <a:r>
-              <a:rPr lang="en-US" dirty="0"/>
-              <a:t>Entity Framework Core: </a:t>
-            </a:r>
-            <a:r>
-              <a:rPr lang="en-US" dirty="0" err="1"/>
-              <a:t>DbContext</a:t>
-            </a:r>
-            <a:endParaRPr lang="en-US" dirty="0"/>
-          </a:p>
-        </p:txBody>
-      </p:sp>
-      <p:sp>
-        <p:nvSpPr>
-          <p:cNvPr id="6" name="Content Placeholder 5"/>
-          <p:cNvSpPr>
-            <a:spLocks noGrp="1"/>
-          </p:cNvSpPr>
-          <p:nvPr>
-            <p:ph sz="quarter" idx="1"/>
-          </p:nvPr>
-        </p:nvSpPr>
-        <p:spPr/>
-        <p:txBody>
-          <a:bodyPr>
-            <a:noAutofit/>
-          </a:bodyPr>
-          <a:lstStyle/>
-          <a:p>
-            <a:r>
-              <a:rPr lang="en-US" sz="1400" dirty="0"/>
-              <a:t>The </a:t>
-            </a:r>
-            <a:r>
-              <a:rPr lang="en-US" sz="1400" dirty="0" err="1">
-                <a:hlinkClick r:id="rId2"/>
-              </a:rPr>
-              <a:t>DbContext</a:t>
-            </a:r>
-            <a:r>
-              <a:rPr lang="en-US" sz="1400" dirty="0"/>
-              <a:t> class is an integral part of Entity Framework. An instance of </a:t>
-            </a:r>
-            <a:r>
-              <a:rPr lang="en-US" sz="1400" dirty="0" err="1"/>
-              <a:t>DbContext</a:t>
-            </a:r>
-            <a:r>
-              <a:rPr lang="en-US" sz="1400" dirty="0"/>
-              <a:t> represents a session with the database which can be used to query and save instances of your entities to a database. </a:t>
-            </a:r>
-            <a:r>
-              <a:rPr lang="en-US" sz="1400" dirty="0" err="1"/>
-              <a:t>DbContext</a:t>
-            </a:r>
-            <a:r>
-              <a:rPr lang="en-US" sz="1400" dirty="0"/>
-              <a:t> is a combination of the Unit Of Work and Repository patterns.</a:t>
-            </a:r>
-            <a:endParaRPr lang="en-US" sz="1400" dirty="0">
-              <a:solidFill>
-                <a:srgbClr val="181717"/>
-              </a:solidFill>
-              <a:latin typeface="Verdana"/>
-            </a:endParaRPr>
-          </a:p>
-          <a:p>
-            <a:r>
-              <a:rPr lang="en-US" sz="1400" dirty="0" err="1"/>
-              <a:t>DbContext</a:t>
-            </a:r>
-            <a:r>
-              <a:rPr lang="en-US" sz="1400" dirty="0"/>
-              <a:t> in EF Core allows us to perform following tasks:</a:t>
-            </a:r>
-          </a:p>
-          <a:p>
-            <a:pPr lvl="1"/>
-            <a:r>
-              <a:rPr lang="en-US" sz="1400" dirty="0"/>
-              <a:t>Manage database connection</a:t>
-            </a:r>
-          </a:p>
-          <a:p>
-            <a:pPr lvl="1"/>
-            <a:r>
-              <a:rPr lang="en-US" sz="1400" dirty="0"/>
-              <a:t>Configure model &amp; relationship</a:t>
-            </a:r>
-          </a:p>
-          <a:p>
-            <a:pPr lvl="1"/>
-            <a:r>
-              <a:rPr lang="en-US" sz="1400" dirty="0"/>
-              <a:t>Querying database</a:t>
-            </a:r>
-          </a:p>
-          <a:p>
-            <a:pPr lvl="1"/>
-            <a:r>
-              <a:rPr lang="en-US" sz="1400" dirty="0"/>
-              <a:t>Saving data to the database</a:t>
-            </a:r>
-          </a:p>
-          <a:p>
-            <a:pPr lvl="1"/>
-            <a:r>
-              <a:rPr lang="en-US" sz="1400" dirty="0"/>
-              <a:t>Configure change tracking</a:t>
-            </a:r>
-          </a:p>
-          <a:p>
-            <a:pPr lvl="1"/>
-            <a:r>
-              <a:rPr lang="en-US" sz="1400" dirty="0"/>
-              <a:t>Caching</a:t>
-            </a:r>
-          </a:p>
-          <a:p>
-            <a:pPr lvl="1"/>
-            <a:r>
-              <a:rPr lang="en-US" sz="1400" dirty="0"/>
-              <a:t>Transaction management</a:t>
-            </a:r>
-          </a:p>
-          <a:p>
-            <a:r>
-              <a:rPr lang="en-US" sz="1400" dirty="0"/>
-              <a:t>To use </a:t>
-            </a:r>
-            <a:r>
-              <a:rPr lang="en-US" sz="1400" dirty="0" err="1"/>
-              <a:t>DbContext</a:t>
-            </a:r>
-            <a:r>
-              <a:rPr lang="en-US" sz="1400" dirty="0"/>
-              <a:t> in our application, we need to create the class that derives from </a:t>
-            </a:r>
-            <a:r>
-              <a:rPr lang="en-US" sz="1400" dirty="0" err="1"/>
-              <a:t>DbContext</a:t>
-            </a:r>
-            <a:r>
-              <a:rPr lang="en-US" sz="1400" dirty="0"/>
-              <a:t>, also known as context class. This context class typically includes </a:t>
-            </a:r>
-            <a:r>
-              <a:rPr lang="en-US" sz="1400" dirty="0" err="1">
-                <a:hlinkClick r:id="rId3"/>
-              </a:rPr>
-              <a:t>DbSet</a:t>
-            </a:r>
-            <a:r>
-              <a:rPr lang="en-US" sz="1400" dirty="0">
-                <a:hlinkClick r:id="rId3"/>
-              </a:rPr>
-              <a:t>&lt;</a:t>
-            </a:r>
-            <a:r>
-              <a:rPr lang="en-US" sz="1400" dirty="0" err="1">
-                <a:hlinkClick r:id="rId3"/>
-              </a:rPr>
-              <a:t>TEntity</a:t>
-            </a:r>
-            <a:r>
-              <a:rPr lang="en-US" sz="1400" dirty="0">
-                <a:hlinkClick r:id="rId3"/>
-              </a:rPr>
-              <a:t>&gt;</a:t>
-            </a:r>
-            <a:r>
-              <a:rPr lang="en-US" sz="1400" dirty="0"/>
-              <a:t> properties for each entity in the model. </a:t>
-            </a:r>
-          </a:p>
-          <a:p>
-            <a:r>
-              <a:rPr lang="en-US" sz="1400" dirty="0"/>
-              <a:t>entities </a:t>
-            </a:r>
-          </a:p>
-          <a:p>
-            <a:r>
-              <a:rPr lang="en-US" sz="1400" dirty="0"/>
-              <a:t>public </a:t>
-            </a:r>
-            <a:r>
-              <a:rPr lang="en-US" sz="1400" dirty="0" err="1"/>
-              <a:t>DbSet</a:t>
-            </a:r>
-            <a:r>
-              <a:rPr lang="en-US" sz="1400" dirty="0"/>
-              <a:t>&lt;Student&gt; Students { get; set; }</a:t>
-            </a:r>
-          </a:p>
-          <a:p>
-            <a:r>
-              <a:rPr lang="en-US" sz="1400" dirty="0"/>
-              <a:t> public </a:t>
-            </a:r>
-            <a:r>
-              <a:rPr lang="en-US" sz="1400" dirty="0" err="1"/>
-              <a:t>DbSet</a:t>
-            </a:r>
-            <a:r>
-              <a:rPr lang="en-US" sz="1400" dirty="0"/>
-              <a:t>&lt;Course&gt; Courses { get; set; } } </a:t>
-            </a:r>
-            <a:endParaRPr lang="en-US" sz="1400" dirty="0">
-              <a:latin typeface="Calibri" pitchFamily="34" charset="0"/>
-              <a:cs typeface="Calibri" pitchFamily="34" charset="0"/>
-            </a:endParaRPr>
-          </a:p>
-        </p:txBody>
-      </p:sp>
-    </p:spTree>
-  </p:cSld>
-  <p:clrMapOvr>
-    <a:masterClrMapping/>
-  </p:clrMapOvr>
-</p:sld>
-</file>
-
-<file path=ppt/slides/slide9.xml><?xml version="1.0" encoding="utf-8"?>
 <p:sld xmlns:a="http://schemas.openxmlformats.org/drawingml/2006/main" xmlns:r="http://schemas.openxmlformats.org/officeDocument/2006/relationships" xmlns:p="http://schemas.openxmlformats.org/presentationml/2006/main">
   <p:cSld>
     <p:spTree>
@@ -8404,6 +7955,187 @@
           </a:graphicData>
         </a:graphic>
       </p:graphicFrame>
+    </p:spTree>
+  </p:cSld>
+  <p:clrMapOvr>
+    <a:masterClrMapping/>
+  </p:clrMapOvr>
+</p:sld>
+</file>
+
+<file path=ppt/slides/slide9.xml><?xml version="1.0" encoding="utf-8"?>
+<p:sld xmlns:a="http://schemas.openxmlformats.org/drawingml/2006/main" xmlns:r="http://schemas.openxmlformats.org/officeDocument/2006/relationships" xmlns:p="http://schemas.openxmlformats.org/presentationml/2006/main">
+  <p:cSld>
+    <p:spTree>
+      <p:nvGrpSpPr>
+        <p:cNvPr id="1" name=""/>
+        <p:cNvGrpSpPr/>
+        <p:nvPr/>
+      </p:nvGrpSpPr>
+      <p:grpSpPr>
+        <a:xfrm>
+          <a:off x="0" y="0"/>
+          <a:ext cx="0" cy="0"/>
+          <a:chOff x="0" y="0"/>
+          <a:chExt cx="0" cy="0"/>
+        </a:xfrm>
+      </p:grpSpPr>
+      <p:sp>
+        <p:nvSpPr>
+          <p:cNvPr id="4" name="Title 3"/>
+          <p:cNvSpPr>
+            <a:spLocks noGrp="1"/>
+          </p:cNvSpPr>
+          <p:nvPr>
+            <p:ph type="title"/>
+          </p:nvPr>
+        </p:nvSpPr>
+        <p:spPr/>
+        <p:txBody>
+          <a:bodyPr/>
+          <a:lstStyle/>
+          <a:p>
+            <a:r>
+              <a:rPr lang="en-US" dirty="0"/>
+              <a:t>Adding a Migration</a:t>
+            </a:r>
+          </a:p>
+        </p:txBody>
+      </p:sp>
+      <p:sp>
+        <p:nvSpPr>
+          <p:cNvPr id="6" name="Content Placeholder 5"/>
+          <p:cNvSpPr>
+            <a:spLocks noGrp="1"/>
+          </p:cNvSpPr>
+          <p:nvPr>
+            <p:ph sz="quarter" idx="1"/>
+          </p:nvPr>
+        </p:nvSpPr>
+        <p:spPr/>
+        <p:txBody>
+          <a:bodyPr>
+            <a:noAutofit/>
+          </a:bodyPr>
+          <a:lstStyle/>
+          <a:p>
+            <a:r>
+              <a:rPr lang="en-US" sz="1400" dirty="0"/>
+              <a:t>EF Core includes different migration commands to create or update the database based on the model.</a:t>
+            </a:r>
+          </a:p>
+          <a:p>
+            <a:r>
+              <a:rPr lang="en-US" sz="1400" dirty="0"/>
+              <a:t>we need to create the database from the model (entities and context) by adding a migration.</a:t>
+            </a:r>
+          </a:p>
+          <a:p>
+            <a:r>
+              <a:rPr lang="en-US" sz="1400" dirty="0"/>
+              <a:t>We can execute the migration command using </a:t>
+            </a:r>
+            <a:r>
+              <a:rPr lang="en-US" sz="1400" dirty="0" err="1"/>
+              <a:t>NuGet</a:t>
+            </a:r>
+            <a:r>
+              <a:rPr lang="en-US" sz="1400" dirty="0"/>
+              <a:t> Package Manger Console as well as </a:t>
+            </a:r>
+            <a:r>
+              <a:rPr lang="en-US" sz="1400" dirty="0" err="1"/>
+              <a:t>dotnet</a:t>
+            </a:r>
+            <a:r>
+              <a:rPr lang="en-US" sz="1400" dirty="0"/>
+              <a:t> CLI (command line interface).</a:t>
+            </a:r>
+          </a:p>
+          <a:p>
+            <a:r>
+              <a:rPr lang="en-US" sz="1400" dirty="0"/>
+              <a:t>In Visual Studio, open </a:t>
+            </a:r>
+            <a:r>
+              <a:rPr lang="en-US" sz="1400" dirty="0" err="1"/>
+              <a:t>NuGet</a:t>
+            </a:r>
+            <a:r>
+              <a:rPr lang="en-US" sz="1400" dirty="0"/>
+              <a:t> Package Manager Console from Tools -&gt; </a:t>
+            </a:r>
+            <a:r>
+              <a:rPr lang="en-US" sz="1400" dirty="0" err="1"/>
+              <a:t>NuGet</a:t>
+            </a:r>
+            <a:r>
+              <a:rPr lang="en-US" sz="1400" dirty="0"/>
+              <a:t> Package Manager -&gt; Package Manager Console and enter the following command:</a:t>
+            </a:r>
+          </a:p>
+          <a:p>
+            <a:r>
+              <a:rPr lang="en-US" sz="1400" dirty="0"/>
+              <a:t>PM&gt; add-migration </a:t>
+            </a:r>
+            <a:r>
+              <a:rPr lang="en-US" sz="1400" dirty="0" err="1"/>
+              <a:t>CreateSchoolDB</a:t>
+            </a:r>
+            <a:endParaRPr lang="en-US" sz="1400" dirty="0"/>
+          </a:p>
+          <a:p>
+            <a:r>
+              <a:rPr lang="en-US" sz="1400" dirty="0"/>
+              <a:t>After creating a migration, we still need to create the database using the update-database command in the Package Manager Console, as below.</a:t>
+            </a:r>
+          </a:p>
+          <a:p>
+            <a:r>
+              <a:rPr lang="en-US" sz="1400" dirty="0"/>
+              <a:t>PM&gt; update-database –verbose</a:t>
+            </a:r>
+          </a:p>
+          <a:p>
+            <a:r>
+              <a:rPr lang="en-US" sz="1400" dirty="0" err="1">
+                <a:latin typeface="Calibri" pitchFamily="34" charset="0"/>
+                <a:cs typeface="Calibri" pitchFamily="34" charset="0"/>
+              </a:rPr>
+              <a:t>Note:</a:t>
+            </a:r>
+            <a:r>
+              <a:rPr lang="en-US" sz="1400" dirty="0" err="1"/>
+              <a:t>This</a:t>
+            </a:r>
+            <a:r>
+              <a:rPr lang="en-US" sz="1400" dirty="0"/>
+              <a:t> was the first migration to create a database. Now, whenever we add or update domain classes or configurations, we need to sync the database with the model using </a:t>
+            </a:r>
+            <a:r>
+              <a:rPr lang="en-US" sz="1400" b="1" dirty="0"/>
+              <a:t>add-migration</a:t>
+            </a:r>
+            <a:r>
+              <a:rPr lang="en-US" sz="1400" dirty="0"/>
+              <a:t> and </a:t>
+            </a:r>
+            <a:r>
+              <a:rPr lang="en-US" sz="1400" b="1" dirty="0"/>
+              <a:t>update-database</a:t>
+            </a:r>
+            <a:r>
+              <a:rPr lang="en-US" sz="1400" dirty="0"/>
+              <a:t> commands.</a:t>
+            </a:r>
+            <a:endParaRPr lang="en-US" sz="1400" dirty="0">
+              <a:latin typeface="Calibri" pitchFamily="34" charset="0"/>
+              <a:cs typeface="Calibri" pitchFamily="34" charset="0"/>
+            </a:endParaRPr>
+          </a:p>
+        </p:txBody>
+      </p:sp>
     </p:spTree>
   </p:cSld>
   <p:clrMapOvr>
